--- a/Documentação/Apresentação Sprint 2.pptx
+++ b/Documentação/Apresentação Sprint 2.pptx
@@ -269,7 +269,7 @@
           <a:p>
             <a:fld id="{3BDE6F2B-F2FE-4A2F-A6C7-87F6A21F13BF}" type="datetimeFigureOut">
               <a:rPr lang="pt-BR" smtClean="0"/>
-              <a:t>23/04/2022</a:t>
+              <a:t>25/04/2022</a:t>
             </a:fld>
             <a:endParaRPr lang="pt-BR" dirty="0"/>
           </a:p>
@@ -339,13 +339,13 @@
   <p:clrMapOvr>
     <a:masterClrMapping/>
   </p:clrMapOvr>
-  <mc:AlternateContent xmlns:mc="http://schemas.openxmlformats.org/markup-compatibility/2006">
-    <mc:Choice xmlns:p14="http://schemas.microsoft.com/office/powerpoint/2010/main" Requires="p14">
+  <mc:AlternateContent xmlns:mc="http://schemas.openxmlformats.org/markup-compatibility/2006" xmlns:p14="http://schemas.microsoft.com/office/powerpoint/2010/main">
+    <mc:Choice Requires="p14">
       <p:transition p14:dur="250">
         <p14:reveal/>
       </p:transition>
     </mc:Choice>
-    <mc:Fallback>
+    <mc:Fallback xmlns="">
       <p:transition>
         <p:fade/>
       </p:transition>
@@ -479,7 +479,7 @@
           <a:p>
             <a:fld id="{3BDE6F2B-F2FE-4A2F-A6C7-87F6A21F13BF}" type="datetimeFigureOut">
               <a:rPr lang="pt-BR" smtClean="0"/>
-              <a:t>23/04/2022</a:t>
+              <a:t>25/04/2022</a:t>
             </a:fld>
             <a:endParaRPr lang="pt-BR" dirty="0"/>
           </a:p>
@@ -549,13 +549,13 @@
   <p:clrMapOvr>
     <a:masterClrMapping/>
   </p:clrMapOvr>
-  <mc:AlternateContent xmlns:mc="http://schemas.openxmlformats.org/markup-compatibility/2006">
-    <mc:Choice xmlns:p14="http://schemas.microsoft.com/office/powerpoint/2010/main" Requires="p14">
+  <mc:AlternateContent xmlns:mc="http://schemas.openxmlformats.org/markup-compatibility/2006" xmlns:p14="http://schemas.microsoft.com/office/powerpoint/2010/main">
+    <mc:Choice Requires="p14">
       <p:transition p14:dur="250">
         <p14:reveal/>
       </p:transition>
     </mc:Choice>
-    <mc:Fallback>
+    <mc:Fallback xmlns="">
       <p:transition>
         <p:fade/>
       </p:transition>
@@ -699,7 +699,7 @@
           <a:p>
             <a:fld id="{3BDE6F2B-F2FE-4A2F-A6C7-87F6A21F13BF}" type="datetimeFigureOut">
               <a:rPr lang="pt-BR" smtClean="0"/>
-              <a:t>23/04/2022</a:t>
+              <a:t>25/04/2022</a:t>
             </a:fld>
             <a:endParaRPr lang="pt-BR" dirty="0"/>
           </a:p>
@@ -769,13 +769,13 @@
   <p:clrMapOvr>
     <a:masterClrMapping/>
   </p:clrMapOvr>
-  <mc:AlternateContent xmlns:mc="http://schemas.openxmlformats.org/markup-compatibility/2006">
-    <mc:Choice xmlns:p14="http://schemas.microsoft.com/office/powerpoint/2010/main" Requires="p14">
+  <mc:AlternateContent xmlns:mc="http://schemas.openxmlformats.org/markup-compatibility/2006" xmlns:p14="http://schemas.microsoft.com/office/powerpoint/2010/main">
+    <mc:Choice Requires="p14">
       <p:transition p14:dur="250">
         <p14:reveal/>
       </p:transition>
     </mc:Choice>
-    <mc:Fallback>
+    <mc:Fallback xmlns="">
       <p:transition>
         <p:fade/>
       </p:transition>
@@ -909,7 +909,7 @@
           <a:p>
             <a:fld id="{3BDE6F2B-F2FE-4A2F-A6C7-87F6A21F13BF}" type="datetimeFigureOut">
               <a:rPr lang="pt-BR" smtClean="0"/>
-              <a:t>23/04/2022</a:t>
+              <a:t>25/04/2022</a:t>
             </a:fld>
             <a:endParaRPr lang="pt-BR" dirty="0"/>
           </a:p>
@@ -979,13 +979,13 @@
   <p:clrMapOvr>
     <a:masterClrMapping/>
   </p:clrMapOvr>
-  <mc:AlternateContent xmlns:mc="http://schemas.openxmlformats.org/markup-compatibility/2006">
-    <mc:Choice xmlns:p14="http://schemas.microsoft.com/office/powerpoint/2010/main" Requires="p14">
+  <mc:AlternateContent xmlns:mc="http://schemas.openxmlformats.org/markup-compatibility/2006" xmlns:p14="http://schemas.microsoft.com/office/powerpoint/2010/main">
+    <mc:Choice Requires="p14">
       <p:transition p14:dur="250">
         <p14:reveal/>
       </p:transition>
     </mc:Choice>
-    <mc:Fallback>
+    <mc:Fallback xmlns="">
       <p:transition>
         <p:fade/>
       </p:transition>
@@ -1196,7 +1196,7 @@
           <a:p>
             <a:fld id="{3BDE6F2B-F2FE-4A2F-A6C7-87F6A21F13BF}" type="datetimeFigureOut">
               <a:rPr lang="pt-BR" smtClean="0"/>
-              <a:t>23/04/2022</a:t>
+              <a:t>25/04/2022</a:t>
             </a:fld>
             <a:endParaRPr lang="pt-BR" dirty="0"/>
           </a:p>
@@ -1266,13 +1266,13 @@
   <p:clrMapOvr>
     <a:masterClrMapping/>
   </p:clrMapOvr>
-  <mc:AlternateContent xmlns:mc="http://schemas.openxmlformats.org/markup-compatibility/2006">
-    <mc:Choice xmlns:p14="http://schemas.microsoft.com/office/powerpoint/2010/main" Requires="p14">
+  <mc:AlternateContent xmlns:mc="http://schemas.openxmlformats.org/markup-compatibility/2006" xmlns:p14="http://schemas.microsoft.com/office/powerpoint/2010/main">
+    <mc:Choice Requires="p14">
       <p:transition p14:dur="250">
         <p14:reveal/>
       </p:transition>
     </mc:Choice>
-    <mc:Fallback>
+    <mc:Fallback xmlns="">
       <p:transition>
         <p:fade/>
       </p:transition>
@@ -1473,7 +1473,7 @@
           <a:p>
             <a:fld id="{3BDE6F2B-F2FE-4A2F-A6C7-87F6A21F13BF}" type="datetimeFigureOut">
               <a:rPr lang="pt-BR" smtClean="0"/>
-              <a:t>23/04/2022</a:t>
+              <a:t>25/04/2022</a:t>
             </a:fld>
             <a:endParaRPr lang="pt-BR" dirty="0"/>
           </a:p>
@@ -1543,13 +1543,13 @@
   <p:clrMapOvr>
     <a:masterClrMapping/>
   </p:clrMapOvr>
-  <mc:AlternateContent xmlns:mc="http://schemas.openxmlformats.org/markup-compatibility/2006">
-    <mc:Choice xmlns:p14="http://schemas.microsoft.com/office/powerpoint/2010/main" Requires="p14">
+  <mc:AlternateContent xmlns:mc="http://schemas.openxmlformats.org/markup-compatibility/2006" xmlns:p14="http://schemas.microsoft.com/office/powerpoint/2010/main">
+    <mc:Choice Requires="p14">
       <p:transition p14:dur="250">
         <p14:reveal/>
       </p:transition>
     </mc:Choice>
-    <mc:Fallback>
+    <mc:Fallback xmlns="">
       <p:transition>
         <p:fade/>
       </p:transition>
@@ -1897,7 +1897,7 @@
           <a:p>
             <a:fld id="{3BDE6F2B-F2FE-4A2F-A6C7-87F6A21F13BF}" type="datetimeFigureOut">
               <a:rPr lang="pt-BR" smtClean="0"/>
-              <a:t>23/04/2022</a:t>
+              <a:t>25/04/2022</a:t>
             </a:fld>
             <a:endParaRPr lang="pt-BR" dirty="0"/>
           </a:p>
@@ -1967,13 +1967,13 @@
   <p:clrMapOvr>
     <a:masterClrMapping/>
   </p:clrMapOvr>
-  <mc:AlternateContent xmlns:mc="http://schemas.openxmlformats.org/markup-compatibility/2006">
-    <mc:Choice xmlns:p14="http://schemas.microsoft.com/office/powerpoint/2010/main" Requires="p14">
+  <mc:AlternateContent xmlns:mc="http://schemas.openxmlformats.org/markup-compatibility/2006" xmlns:p14="http://schemas.microsoft.com/office/powerpoint/2010/main">
+    <mc:Choice Requires="p14">
       <p:transition p14:dur="250">
         <p14:reveal/>
       </p:transition>
     </mc:Choice>
-    <mc:Fallback>
+    <mc:Fallback xmlns="">
       <p:transition>
         <p:fade/>
       </p:transition>
@@ -2050,7 +2050,7 @@
           <a:p>
             <a:fld id="{3BDE6F2B-F2FE-4A2F-A6C7-87F6A21F13BF}" type="datetimeFigureOut">
               <a:rPr lang="pt-BR" smtClean="0"/>
-              <a:t>23/04/2022</a:t>
+              <a:t>25/04/2022</a:t>
             </a:fld>
             <a:endParaRPr lang="pt-BR" dirty="0"/>
           </a:p>
@@ -2120,13 +2120,13 @@
   <p:clrMapOvr>
     <a:masterClrMapping/>
   </p:clrMapOvr>
-  <mc:AlternateContent xmlns:mc="http://schemas.openxmlformats.org/markup-compatibility/2006">
-    <mc:Choice xmlns:p14="http://schemas.microsoft.com/office/powerpoint/2010/main" Requires="p14">
+  <mc:AlternateContent xmlns:mc="http://schemas.openxmlformats.org/markup-compatibility/2006" xmlns:p14="http://schemas.microsoft.com/office/powerpoint/2010/main">
+    <mc:Choice Requires="p14">
       <p:transition p14:dur="250">
         <p14:reveal/>
       </p:transition>
     </mc:Choice>
-    <mc:Fallback>
+    <mc:Fallback xmlns="">
       <p:transition>
         <p:fade/>
       </p:transition>
@@ -2175,7 +2175,7 @@
           <a:p>
             <a:fld id="{3BDE6F2B-F2FE-4A2F-A6C7-87F6A21F13BF}" type="datetimeFigureOut">
               <a:rPr lang="pt-BR" smtClean="0"/>
-              <a:t>23/04/2022</a:t>
+              <a:t>25/04/2022</a:t>
             </a:fld>
             <a:endParaRPr lang="pt-BR" dirty="0"/>
           </a:p>
@@ -2245,13 +2245,13 @@
   <p:clrMapOvr>
     <a:masterClrMapping/>
   </p:clrMapOvr>
-  <mc:AlternateContent xmlns:mc="http://schemas.openxmlformats.org/markup-compatibility/2006">
-    <mc:Choice xmlns:p14="http://schemas.microsoft.com/office/powerpoint/2010/main" Requires="p14">
+  <mc:AlternateContent xmlns:mc="http://schemas.openxmlformats.org/markup-compatibility/2006" xmlns:p14="http://schemas.microsoft.com/office/powerpoint/2010/main">
+    <mc:Choice Requires="p14">
       <p:transition p14:dur="250">
         <p14:reveal/>
       </p:transition>
     </mc:Choice>
-    <mc:Fallback>
+    <mc:Fallback xmlns="">
       <p:transition>
         <p:fade/>
       </p:transition>
@@ -2498,7 +2498,7 @@
           <a:p>
             <a:fld id="{3BDE6F2B-F2FE-4A2F-A6C7-87F6A21F13BF}" type="datetimeFigureOut">
               <a:rPr lang="pt-BR" smtClean="0"/>
-              <a:t>23/04/2022</a:t>
+              <a:t>25/04/2022</a:t>
             </a:fld>
             <a:endParaRPr lang="pt-BR" dirty="0"/>
           </a:p>
@@ -2568,13 +2568,13 @@
   <p:clrMapOvr>
     <a:masterClrMapping/>
   </p:clrMapOvr>
-  <mc:AlternateContent xmlns:mc="http://schemas.openxmlformats.org/markup-compatibility/2006">
-    <mc:Choice xmlns:p14="http://schemas.microsoft.com/office/powerpoint/2010/main" Requires="p14">
+  <mc:AlternateContent xmlns:mc="http://schemas.openxmlformats.org/markup-compatibility/2006" xmlns:p14="http://schemas.microsoft.com/office/powerpoint/2010/main">
+    <mc:Choice Requires="p14">
       <p:transition p14:dur="250">
         <p14:reveal/>
       </p:transition>
     </mc:Choice>
-    <mc:Fallback>
+    <mc:Fallback xmlns="">
       <p:transition>
         <p:fade/>
       </p:transition>
@@ -2798,7 +2798,7 @@
           <a:p>
             <a:fld id="{3BDE6F2B-F2FE-4A2F-A6C7-87F6A21F13BF}" type="datetimeFigureOut">
               <a:rPr lang="pt-BR" smtClean="0"/>
-              <a:t>23/04/2022</a:t>
+              <a:t>25/04/2022</a:t>
             </a:fld>
             <a:endParaRPr lang="pt-BR" dirty="0"/>
           </a:p>
@@ -2868,13 +2868,13 @@
   <p:clrMapOvr>
     <a:masterClrMapping/>
   </p:clrMapOvr>
-  <mc:AlternateContent xmlns:mc="http://schemas.openxmlformats.org/markup-compatibility/2006">
-    <mc:Choice xmlns:p14="http://schemas.microsoft.com/office/powerpoint/2010/main" Requires="p14">
+  <mc:AlternateContent xmlns:mc="http://schemas.openxmlformats.org/markup-compatibility/2006" xmlns:p14="http://schemas.microsoft.com/office/powerpoint/2010/main">
+    <mc:Choice Requires="p14">
       <p:transition p14:dur="250">
         <p14:reveal/>
       </p:transition>
     </mc:Choice>
-    <mc:Fallback>
+    <mc:Fallback xmlns="">
       <p:transition>
         <p:fade/>
       </p:transition>
@@ -3051,7 +3051,7 @@
           <a:p>
             <a:fld id="{3BDE6F2B-F2FE-4A2F-A6C7-87F6A21F13BF}" type="datetimeFigureOut">
               <a:rPr lang="pt-BR" smtClean="0"/>
-              <a:t>23/04/2022</a:t>
+              <a:t>25/04/2022</a:t>
             </a:fld>
             <a:endParaRPr lang="pt-BR" dirty="0"/>
           </a:p>
@@ -3168,13 +3168,13 @@
     <p:sldLayoutId id="2147483658" r:id="rId10"/>
     <p:sldLayoutId id="2147483659" r:id="rId11"/>
   </p:sldLayoutIdLst>
-  <mc:AlternateContent xmlns:mc="http://schemas.openxmlformats.org/markup-compatibility/2006">
-    <mc:Choice xmlns:p14="http://schemas.microsoft.com/office/powerpoint/2010/main" Requires="p14">
+  <mc:AlternateContent xmlns:mc="http://schemas.openxmlformats.org/markup-compatibility/2006" xmlns:p14="http://schemas.microsoft.com/office/powerpoint/2010/main">
+    <mc:Choice Requires="p14">
       <p:transition p14:dur="250">
         <p14:reveal/>
       </p:transition>
     </mc:Choice>
-    <mc:Fallback>
+    <mc:Fallback xmlns="">
       <p:transition>
         <p:fade/>
       </p:transition>
@@ -3534,13 +3534,13 @@
   <p:clrMapOvr>
     <a:masterClrMapping/>
   </p:clrMapOvr>
-  <mc:AlternateContent xmlns:mc="http://schemas.openxmlformats.org/markup-compatibility/2006">
-    <mc:Choice xmlns:p14="http://schemas.microsoft.com/office/powerpoint/2010/main" Requires="p14">
+  <mc:AlternateContent xmlns:mc="http://schemas.openxmlformats.org/markup-compatibility/2006" xmlns:p14="http://schemas.microsoft.com/office/powerpoint/2010/main">
+    <mc:Choice Requires="p14">
       <p:transition spd="slow">
         <p14:reveal/>
       </p:transition>
     </mc:Choice>
-    <mc:Fallback>
+    <mc:Fallback xmlns="">
       <p:transition spd="slow">
         <p:fade/>
       </p:transition>
@@ -3731,13 +3731,13 @@
   <p:clrMapOvr>
     <a:masterClrMapping/>
   </p:clrMapOvr>
-  <mc:AlternateContent xmlns:mc="http://schemas.openxmlformats.org/markup-compatibility/2006">
-    <mc:Choice xmlns:p14="http://schemas.microsoft.com/office/powerpoint/2010/main" Requires="p14">
+  <mc:AlternateContent xmlns:mc="http://schemas.openxmlformats.org/markup-compatibility/2006" xmlns:p14="http://schemas.microsoft.com/office/powerpoint/2010/main">
+    <mc:Choice Requires="p14">
       <p:transition spd="slow">
         <p14:reveal/>
       </p:transition>
     </mc:Choice>
-    <mc:Fallback>
+    <mc:Fallback xmlns="">
       <p:transition spd="slow">
         <p:fade/>
       </p:transition>
@@ -3861,8 +3861,8 @@
         </p:nvSpPr>
         <p:spPr>
           <a:xfrm>
-            <a:off x="873955" y="2774535"/>
-            <a:ext cx="10444089" cy="2862322"/>
+            <a:off x="909711" y="2951956"/>
+            <a:ext cx="10444089" cy="1754326"/>
           </a:xfrm>
           <a:prstGeom prst="rect">
             <a:avLst/>
@@ -3875,6 +3875,14 @@
           </a:bodyPr>
           <a:lstStyle/>
           <a:p>
+            <a:endParaRPr lang="pt-BR" dirty="0">
+              <a:solidFill>
+                <a:schemeClr val="bg1"/>
+              </a:solidFill>
+              <a:latin typeface="Montserrat SemiBold" pitchFamily="2" charset="0"/>
+            </a:endParaRPr>
+          </a:p>
+          <a:p>
             <a:r>
               <a:rPr lang="pt-BR" dirty="0">
                 <a:solidFill>
@@ -3882,7 +3890,7 @@
                 </a:solidFill>
                 <a:latin typeface="Montserrat SemiBold" pitchFamily="2" charset="0"/>
               </a:rPr>
-              <a:t>Dessa forma </a:t>
+              <a:t>Portanto nos próximos </a:t>
             </a:r>
             <a:r>
               <a:rPr lang="pt-BR" b="0" i="0" dirty="0">
@@ -3892,54 +3900,10 @@
                 <a:effectLst/>
                 <a:latin typeface="Montserrat SemiBold" panose="00000700000000000000" pitchFamily="2" charset="0"/>
               </a:rPr>
-              <a:t>entende-se que</a:t>
-            </a:r>
-            <a:r>
-              <a:rPr lang="pt-BR" dirty="0">
-                <a:solidFill>
-                  <a:schemeClr val="bg1"/>
-                </a:solidFill>
-                <a:latin typeface="Montserrat SemiBold" pitchFamily="2" charset="0"/>
-              </a:rPr>
-              <a:t> a </a:t>
-            </a:r>
-            <a:r>
-              <a:rPr lang="pt-BR" u="sng" dirty="0">
-                <a:solidFill>
-                  <a:schemeClr val="bg1"/>
-                </a:solidFill>
-                <a:latin typeface="Montserrat SemiBold" pitchFamily="2" charset="0"/>
-              </a:rPr>
-              <a:t>IrrigaTech</a:t>
-            </a:r>
-            <a:r>
-              <a:rPr lang="pt-BR" dirty="0">
-                <a:solidFill>
-                  <a:schemeClr val="bg1"/>
-                </a:solidFill>
-                <a:latin typeface="Montserrat SemiBold" pitchFamily="2" charset="0"/>
-              </a:rPr>
-              <a:t> com base no segmento de mercado e contexto, acredita-se que com as soluções apresentadas haveria uma melhora desse problema, levando em consideração os dados coletados ate o momento.</a:t>
-            </a:r>
-          </a:p>
-          <a:p>
-            <a:endParaRPr lang="pt-BR" dirty="0">
-              <a:solidFill>
-                <a:schemeClr val="bg1"/>
-              </a:solidFill>
-              <a:latin typeface="Montserrat SemiBold" pitchFamily="2" charset="0"/>
-            </a:endParaRPr>
-          </a:p>
-          <a:p>
-            <a:r>
-              <a:rPr lang="pt-BR" dirty="0">
-                <a:solidFill>
-                  <a:schemeClr val="bg1"/>
-                </a:solidFill>
-                <a:latin typeface="Montserrat SemiBold" pitchFamily="2" charset="0"/>
-              </a:rPr>
-              <a:t>Portanto </a:t>
-            </a:r>
+              <a:t>passos, visamos a evolução de algumas telas do site. </a:t>
+            </a:r>
+          </a:p>
+          <a:p>
             <a:r>
               <a:rPr lang="pt-BR" b="0" i="0" dirty="0">
                 <a:solidFill>
@@ -3948,16 +3912,46 @@
                 <a:effectLst/>
                 <a:latin typeface="Montserrat SemiBold" panose="00000700000000000000" pitchFamily="2" charset="0"/>
               </a:rPr>
-              <a:t>é preciso que nos demais passos do projeto, a criação do sistema, implantação de testes e a entrega, seja continuamente testado e comprovado esses fatores para detecção da eficiência nos quesitos de recursos hídricos e de perda das safras.</a:t>
-            </a:r>
-            <a:endParaRPr lang="pt-BR" dirty="0">
-              <a:solidFill>
-                <a:schemeClr val="bg1"/>
-              </a:solidFill>
-              <a:latin typeface="Montserrat SemiBold" panose="00000700000000000000" pitchFamily="2" charset="0"/>
-            </a:endParaRPr>
-          </a:p>
-          <a:p>
+              <a:t>A conexão </a:t>
+            </a:r>
+            <a:r>
+              <a:rPr lang="pt-BR" dirty="0">
+                <a:solidFill>
+                  <a:schemeClr val="bg1"/>
+                </a:solidFill>
+                <a:latin typeface="Montserrat SemiBold" panose="00000700000000000000" pitchFamily="2" charset="0"/>
+              </a:rPr>
+              <a:t>do</a:t>
+            </a:r>
+            <a:r>
+              <a:rPr lang="pt-BR" b="0" i="0" dirty="0">
+                <a:solidFill>
+                  <a:schemeClr val="bg1"/>
+                </a:solidFill>
+                <a:effectLst/>
+                <a:latin typeface="Montserrat SemiBold" panose="00000700000000000000" pitchFamily="2" charset="0"/>
+              </a:rPr>
+              <a:t> Arduino com </a:t>
+            </a:r>
+            <a:r>
+              <a:rPr lang="pt-BR" dirty="0">
+                <a:solidFill>
+                  <a:schemeClr val="bg1"/>
+                </a:solidFill>
+                <a:latin typeface="Montserrat SemiBold" panose="00000700000000000000" pitchFamily="2" charset="0"/>
+              </a:rPr>
+              <a:t>a Dashboard para acompanharmos as oscilações de temperatura e umidade para atingirmos nosso objetivo e </a:t>
+            </a:r>
+            <a:r>
+              <a:rPr lang="pt-BR" b="0" i="0" dirty="0">
+                <a:solidFill>
+                  <a:schemeClr val="bg1"/>
+                </a:solidFill>
+                <a:effectLst/>
+                <a:latin typeface="Montserrat SemiBold" panose="00000700000000000000" pitchFamily="2" charset="0"/>
+              </a:rPr>
+              <a:t>finalizarmos o projeto com sucesso.</a:t>
+            </a:r>
             <a:endParaRPr lang="pt-BR" dirty="0">
               <a:solidFill>
                 <a:schemeClr val="bg1"/>
@@ -3980,13 +3974,13 @@
   <p:clrMapOvr>
     <a:masterClrMapping/>
   </p:clrMapOvr>
-  <mc:AlternateContent xmlns:mc="http://schemas.openxmlformats.org/markup-compatibility/2006">
-    <mc:Choice xmlns:p14="http://schemas.microsoft.com/office/powerpoint/2010/main" Requires="p14">
+  <mc:AlternateContent xmlns:mc="http://schemas.openxmlformats.org/markup-compatibility/2006" xmlns:p14="http://schemas.microsoft.com/office/powerpoint/2010/main">
+    <mc:Choice Requires="p14">
       <p:transition spd="slow">
         <p14:reveal/>
       </p:transition>
     </mc:Choice>
-    <mc:Fallback>
+    <mc:Fallback xmlns="">
       <p:transition spd="slow">
         <p:fade/>
       </p:transition>
@@ -4231,13 +4225,13 @@
   <p:clrMapOvr>
     <a:masterClrMapping/>
   </p:clrMapOvr>
-  <mc:AlternateContent xmlns:mc="http://schemas.openxmlformats.org/markup-compatibility/2006">
-    <mc:Choice xmlns:p14="http://schemas.microsoft.com/office/powerpoint/2010/main" Requires="p14">
+  <mc:AlternateContent xmlns:mc="http://schemas.openxmlformats.org/markup-compatibility/2006" xmlns:p14="http://schemas.microsoft.com/office/powerpoint/2010/main">
+    <mc:Choice Requires="p14">
       <p:transition spd="slow">
         <p14:reveal/>
       </p:transition>
     </mc:Choice>
-    <mc:Fallback>
+    <mc:Fallback xmlns="">
       <p:transition spd="slow">
         <p:fade/>
       </p:transition>
@@ -4492,13 +4486,13 @@
   <p:clrMapOvr>
     <a:masterClrMapping/>
   </p:clrMapOvr>
-  <mc:AlternateContent xmlns:mc="http://schemas.openxmlformats.org/markup-compatibility/2006">
-    <mc:Choice xmlns:p14="http://schemas.microsoft.com/office/powerpoint/2010/main" Requires="p14">
+  <mc:AlternateContent xmlns:mc="http://schemas.openxmlformats.org/markup-compatibility/2006" xmlns:p14="http://schemas.microsoft.com/office/powerpoint/2010/main">
+    <mc:Choice Requires="p14">
       <p:transition spd="slow">
         <p14:reveal/>
       </p:transition>
     </mc:Choice>
-    <mc:Fallback>
+    <mc:Fallback xmlns="">
       <p:transition spd="slow">
         <p:fade/>
       </p:transition>
@@ -4736,13 +4730,13 @@
   <p:clrMapOvr>
     <a:masterClrMapping/>
   </p:clrMapOvr>
-  <mc:AlternateContent xmlns:mc="http://schemas.openxmlformats.org/markup-compatibility/2006">
-    <mc:Choice xmlns:p14="http://schemas.microsoft.com/office/powerpoint/2010/main" Requires="p14">
+  <mc:AlternateContent xmlns:mc="http://schemas.openxmlformats.org/markup-compatibility/2006" xmlns:p14="http://schemas.microsoft.com/office/powerpoint/2010/main">
+    <mc:Choice Requires="p14">
       <p:transition spd="slow">
         <p14:reveal/>
       </p:transition>
     </mc:Choice>
-    <mc:Fallback>
+    <mc:Fallback xmlns="">
       <p:transition spd="slow">
         <p:fade/>
       </p:transition>
@@ -4948,13 +4942,13 @@
   <p:clrMapOvr>
     <a:masterClrMapping/>
   </p:clrMapOvr>
-  <mc:AlternateContent xmlns:mc="http://schemas.openxmlformats.org/markup-compatibility/2006">
-    <mc:Choice xmlns:p14="http://schemas.microsoft.com/office/powerpoint/2010/main" Requires="p14">
+  <mc:AlternateContent xmlns:mc="http://schemas.openxmlformats.org/markup-compatibility/2006" xmlns:p14="http://schemas.microsoft.com/office/powerpoint/2010/main">
+    <mc:Choice Requires="p14">
       <p:transition spd="slow">
         <p14:reveal/>
       </p:transition>
     </mc:Choice>
-    <mc:Fallback>
+    <mc:Fallback xmlns="">
       <p:transition spd="slow">
         <p:fade/>
       </p:transition>
@@ -5244,13 +5238,13 @@
   <p:clrMapOvr>
     <a:masterClrMapping/>
   </p:clrMapOvr>
-  <mc:AlternateContent xmlns:mc="http://schemas.openxmlformats.org/markup-compatibility/2006">
-    <mc:Choice xmlns:p14="http://schemas.microsoft.com/office/powerpoint/2010/main" Requires="p14">
+  <mc:AlternateContent xmlns:mc="http://schemas.openxmlformats.org/markup-compatibility/2006" xmlns:p14="http://schemas.microsoft.com/office/powerpoint/2010/main">
+    <mc:Choice Requires="p14">
       <p:transition spd="slow">
         <p14:reveal/>
       </p:transition>
     </mc:Choice>
-    <mc:Fallback>
+    <mc:Fallback xmlns="">
       <p:transition spd="slow">
         <p:fade/>
       </p:transition>
@@ -5485,13 +5479,13 @@
   <p:clrMapOvr>
     <a:masterClrMapping/>
   </p:clrMapOvr>
-  <mc:AlternateContent xmlns:mc="http://schemas.openxmlformats.org/markup-compatibility/2006">
-    <mc:Choice xmlns:p14="http://schemas.microsoft.com/office/powerpoint/2010/main" Requires="p14">
+  <mc:AlternateContent xmlns:mc="http://schemas.openxmlformats.org/markup-compatibility/2006" xmlns:p14="http://schemas.microsoft.com/office/powerpoint/2010/main">
+    <mc:Choice Requires="p14">
       <p:transition spd="slow">
         <p14:reveal/>
       </p:transition>
     </mc:Choice>
-    <mc:Fallback>
+    <mc:Fallback xmlns="">
       <p:transition spd="slow">
         <p:fade/>
       </p:transition>
@@ -5791,13 +5785,13 @@
   <p:clrMapOvr>
     <a:masterClrMapping/>
   </p:clrMapOvr>
-  <mc:AlternateContent xmlns:mc="http://schemas.openxmlformats.org/markup-compatibility/2006">
-    <mc:Choice xmlns:p14="http://schemas.microsoft.com/office/powerpoint/2010/main" Requires="p14">
+  <mc:AlternateContent xmlns:mc="http://schemas.openxmlformats.org/markup-compatibility/2006" xmlns:p14="http://schemas.microsoft.com/office/powerpoint/2010/main">
+    <mc:Choice Requires="p14">
       <p:transition spd="slow">
         <p14:reveal/>
       </p:transition>
     </mc:Choice>
-    <mc:Fallback>
+    <mc:Fallback xmlns="">
       <p:transition spd="slow">
         <p:fade/>
       </p:transition>
@@ -5912,6 +5906,36 @@
           </a:fontRef>
         </p:style>
       </p:cxnSp>
+      <p:pic>
+        <p:nvPicPr>
+          <p:cNvPr id="6" name="Imagem 5">
+            <a:extLst>
+              <a:ext uri="{FF2B5EF4-FFF2-40B4-BE49-F238E27FC236}">
+                <a16:creationId xmlns:a16="http://schemas.microsoft.com/office/drawing/2014/main" id="{ADE4D8EC-9E45-7E51-870F-289CDBB3F284}"/>
+              </a:ext>
+            </a:extLst>
+          </p:cNvPr>
+          <p:cNvPicPr>
+            <a:picLocks noChangeAspect="1"/>
+          </p:cNvPicPr>
+          <p:nvPr/>
+        </p:nvPicPr>
+        <p:blipFill>
+          <a:blip r:embed="rId2"/>
+          <a:stretch>
+            <a:fillRect/>
+          </a:stretch>
+        </p:blipFill>
+        <p:spPr>
+          <a:xfrm>
+            <a:off x="2014803" y="1646354"/>
+            <a:ext cx="8162394" cy="5023012"/>
+          </a:xfrm>
+          <a:prstGeom prst="rect">
+            <a:avLst/>
+          </a:prstGeom>
+        </p:spPr>
+      </p:pic>
     </p:spTree>
     <p:extLst>
       <p:ext uri="{BB962C8B-B14F-4D97-AF65-F5344CB8AC3E}">
@@ -5922,13 +5946,13 @@
   <p:clrMapOvr>
     <a:masterClrMapping/>
   </p:clrMapOvr>
-  <mc:AlternateContent xmlns:mc="http://schemas.openxmlformats.org/markup-compatibility/2006">
-    <mc:Choice xmlns:p14="http://schemas.microsoft.com/office/powerpoint/2010/main" Requires="p14">
+  <mc:AlternateContent xmlns:mc="http://schemas.openxmlformats.org/markup-compatibility/2006" xmlns:p14="http://schemas.microsoft.com/office/powerpoint/2010/main">
+    <mc:Choice Requires="p14">
       <p:transition spd="slow">
         <p14:reveal/>
       </p:transition>
     </mc:Choice>
-    <mc:Fallback>
+    <mc:Fallback xmlns="">
       <p:transition spd="slow">
         <p:fade/>
       </p:transition>
